--- a/Documents/presentation/Sound-guided running.pptx
+++ b/Documents/presentation/Sound-guided running.pptx
@@ -5,13 +5,17 @@
     <p:sldMasterId id="2147483648" r:id="rId1"/>
   </p:sldMasterIdLst>
   <p:notesMasterIdLst>
-    <p:notesMasterId r:id="rId6"/>
+    <p:notesMasterId r:id="rId10"/>
   </p:notesMasterIdLst>
   <p:sldIdLst>
     <p:sldId id="256" r:id="rId2"/>
     <p:sldId id="257" r:id="rId3"/>
     <p:sldId id="258" r:id="rId4"/>
     <p:sldId id="259" r:id="rId5"/>
+    <p:sldId id="260" r:id="rId6"/>
+    <p:sldId id="261" r:id="rId7"/>
+    <p:sldId id="262" r:id="rId8"/>
+    <p:sldId id="263" r:id="rId9"/>
   </p:sldIdLst>
   <p:sldSz cx="9144000" cy="5715000" type="screen16x10"/>
   <p:notesSz cx="6858000" cy="9144000"/>
@@ -7356,7 +7360,7 @@
                   </a:schemeClr>
                 </a:solidFill>
               </a:rPr>
-              <a:t>Palmquist</a:t>
+              <a:t>Palmqvist</a:t>
             </a:r>
             <a:endParaRPr lang="en-GB" dirty="0" smtClean="0">
               <a:solidFill>
@@ -7818,6 +7822,350 @@
     <p:extLst>
       <p:ext uri="{BB962C8B-B14F-4D97-AF65-F5344CB8AC3E}">
         <p14:creationId xmlns:p14="http://schemas.microsoft.com/office/powerpoint/2010/main" val="4145479482"/>
+      </p:ext>
+    </p:extLst>
+  </p:cSld>
+  <p:clrMapOvr>
+    <a:masterClrMapping/>
+  </p:clrMapOvr>
+  <p:timing>
+    <p:tnLst>
+      <p:par>
+        <p:cTn id="1" dur="indefinite" restart="never" nodeType="tmRoot"/>
+      </p:par>
+    </p:tnLst>
+  </p:timing>
+</p:sld>
+</file>
+
+<file path=ppt/slides/slide5.xml><?xml version="1.0" encoding="utf-8"?>
+<p:sld xmlns:a="http://schemas.openxmlformats.org/drawingml/2006/main" xmlns:r="http://schemas.openxmlformats.org/officeDocument/2006/relationships" xmlns:p="http://schemas.openxmlformats.org/presentationml/2006/main">
+  <p:cSld>
+    <p:spTree>
+      <p:nvGrpSpPr>
+        <p:cNvPr id="1" name=""/>
+        <p:cNvGrpSpPr/>
+        <p:nvPr/>
+      </p:nvGrpSpPr>
+      <p:grpSpPr>
+        <a:xfrm>
+          <a:off x="0" y="0"/>
+          <a:ext cx="0" cy="0"/>
+          <a:chOff x="0" y="0"/>
+          <a:chExt cx="0" cy="0"/>
+        </a:xfrm>
+      </p:grpSpPr>
+      <p:sp>
+        <p:nvSpPr>
+          <p:cNvPr id="2" name="Title 1"/>
+          <p:cNvSpPr>
+            <a:spLocks noGrp="1"/>
+          </p:cNvSpPr>
+          <p:nvPr>
+            <p:ph type="title"/>
+          </p:nvPr>
+        </p:nvSpPr>
+        <p:spPr/>
+        <p:txBody>
+          <a:bodyPr/>
+          <a:lstStyle/>
+          <a:p>
+            <a:r>
+              <a:rPr lang="en-GB" dirty="0" smtClean="0"/>
+              <a:t>GPS</a:t>
+            </a:r>
+            <a:endParaRPr lang="en-GB" dirty="0"/>
+          </a:p>
+        </p:txBody>
+      </p:sp>
+      <p:sp>
+        <p:nvSpPr>
+          <p:cNvPr id="3" name="Content Placeholder 2"/>
+          <p:cNvSpPr>
+            <a:spLocks noGrp="1"/>
+          </p:cNvSpPr>
+          <p:nvPr>
+            <p:ph idx="1"/>
+          </p:nvPr>
+        </p:nvSpPr>
+        <p:spPr/>
+        <p:txBody>
+          <a:bodyPr/>
+          <a:lstStyle/>
+          <a:p>
+            <a:endParaRPr lang="en-GB"/>
+          </a:p>
+        </p:txBody>
+      </p:sp>
+    </p:spTree>
+    <p:extLst>
+      <p:ext uri="{BB962C8B-B14F-4D97-AF65-F5344CB8AC3E}">
+        <p14:creationId xmlns:p14="http://schemas.microsoft.com/office/powerpoint/2010/main" val="4154338387"/>
+      </p:ext>
+    </p:extLst>
+  </p:cSld>
+  <p:clrMapOvr>
+    <a:masterClrMapping/>
+  </p:clrMapOvr>
+</p:sld>
+</file>
+
+<file path=ppt/slides/slide6.xml><?xml version="1.0" encoding="utf-8"?>
+<p:sld xmlns:a="http://schemas.openxmlformats.org/drawingml/2006/main" xmlns:r="http://schemas.openxmlformats.org/officeDocument/2006/relationships" xmlns:p="http://schemas.openxmlformats.org/presentationml/2006/main">
+  <p:cSld>
+    <p:spTree>
+      <p:nvGrpSpPr>
+        <p:cNvPr id="1" name=""/>
+        <p:cNvGrpSpPr/>
+        <p:nvPr/>
+      </p:nvGrpSpPr>
+      <p:grpSpPr>
+        <a:xfrm>
+          <a:off x="0" y="0"/>
+          <a:ext cx="0" cy="0"/>
+          <a:chOff x="0" y="0"/>
+          <a:chExt cx="0" cy="0"/>
+        </a:xfrm>
+      </p:grpSpPr>
+      <p:sp>
+        <p:nvSpPr>
+          <p:cNvPr id="2" name="Title 1"/>
+          <p:cNvSpPr>
+            <a:spLocks noGrp="1"/>
+          </p:cNvSpPr>
+          <p:nvPr>
+            <p:ph type="title"/>
+          </p:nvPr>
+        </p:nvSpPr>
+        <p:spPr/>
+        <p:txBody>
+          <a:bodyPr>
+            <a:normAutofit fontScale="90000"/>
+          </a:bodyPr>
+          <a:lstStyle/>
+          <a:p>
+            <a:r>
+              <a:rPr lang="en-GB" dirty="0" err="1" smtClean="0"/>
+              <a:t>Bestämma</a:t>
+            </a:r>
+            <a:r>
+              <a:rPr lang="en-GB" dirty="0" smtClean="0"/>
+              <a:t> </a:t>
+            </a:r>
+            <a:r>
+              <a:rPr lang="en-GB" dirty="0" err="1" smtClean="0"/>
+              <a:t>användarens</a:t>
+            </a:r>
+            <a:r>
+              <a:rPr lang="en-GB" dirty="0" smtClean="0"/>
+              <a:t> </a:t>
+            </a:r>
+            <a:r>
+              <a:rPr lang="en-GB" dirty="0" err="1" smtClean="0"/>
+              <a:t>orientering</a:t>
+            </a:r>
+            <a:endParaRPr lang="en-GB" dirty="0"/>
+          </a:p>
+        </p:txBody>
+      </p:sp>
+      <p:sp>
+        <p:nvSpPr>
+          <p:cNvPr id="3" name="Content Placeholder 2"/>
+          <p:cNvSpPr>
+            <a:spLocks noGrp="1"/>
+          </p:cNvSpPr>
+          <p:nvPr>
+            <p:ph idx="1"/>
+          </p:nvPr>
+        </p:nvSpPr>
+        <p:spPr/>
+        <p:txBody>
+          <a:bodyPr/>
+          <a:lstStyle/>
+          <a:p>
+            <a:r>
+              <a:rPr lang="sv-SE" dirty="0" smtClean="0"/>
+              <a:t>Resonemang kring sensorer</a:t>
+            </a:r>
+          </a:p>
+          <a:p>
+            <a:r>
+              <a:rPr lang="sv-SE" dirty="0" smtClean="0"/>
+              <a:t>Försöket med gyroskop</a:t>
+            </a:r>
+          </a:p>
+        </p:txBody>
+      </p:sp>
+    </p:spTree>
+    <p:extLst>
+      <p:ext uri="{BB962C8B-B14F-4D97-AF65-F5344CB8AC3E}">
+        <p14:creationId xmlns:p14="http://schemas.microsoft.com/office/powerpoint/2010/main" val="4264259063"/>
+      </p:ext>
+    </p:extLst>
+  </p:cSld>
+  <p:clrMapOvr>
+    <a:masterClrMapping/>
+  </p:clrMapOvr>
+</p:sld>
+</file>
+
+<file path=ppt/slides/slide7.xml><?xml version="1.0" encoding="utf-8"?>
+<p:sld xmlns:a="http://schemas.openxmlformats.org/drawingml/2006/main" xmlns:r="http://schemas.openxmlformats.org/officeDocument/2006/relationships" xmlns:p="http://schemas.openxmlformats.org/presentationml/2006/main">
+  <p:cSld>
+    <p:spTree>
+      <p:nvGrpSpPr>
+        <p:cNvPr id="1" name=""/>
+        <p:cNvGrpSpPr/>
+        <p:nvPr/>
+      </p:nvGrpSpPr>
+      <p:grpSpPr>
+        <a:xfrm>
+          <a:off x="0" y="0"/>
+          <a:ext cx="0" cy="0"/>
+          <a:chOff x="0" y="0"/>
+          <a:chExt cx="0" cy="0"/>
+        </a:xfrm>
+      </p:grpSpPr>
+      <p:sp>
+        <p:nvSpPr>
+          <p:cNvPr id="2" name="Title 1"/>
+          <p:cNvSpPr>
+            <a:spLocks noGrp="1"/>
+          </p:cNvSpPr>
+          <p:nvPr>
+            <p:ph type="title"/>
+          </p:nvPr>
+        </p:nvSpPr>
+        <p:spPr/>
+        <p:txBody>
+          <a:bodyPr/>
+          <a:lstStyle/>
+          <a:p>
+            <a:r>
+              <a:rPr lang="en-GB" dirty="0" smtClean="0"/>
+              <a:t>Design</a:t>
+            </a:r>
+            <a:endParaRPr lang="en-GB" dirty="0"/>
+          </a:p>
+        </p:txBody>
+      </p:sp>
+      <p:sp>
+        <p:nvSpPr>
+          <p:cNvPr id="3" name="Content Placeholder 2"/>
+          <p:cNvSpPr>
+            <a:spLocks noGrp="1"/>
+          </p:cNvSpPr>
+          <p:nvPr>
+            <p:ph idx="1"/>
+          </p:nvPr>
+        </p:nvSpPr>
+        <p:spPr/>
+        <p:txBody>
+          <a:bodyPr/>
+          <a:lstStyle/>
+          <a:p>
+            <a:endParaRPr lang="en-GB"/>
+          </a:p>
+        </p:txBody>
+      </p:sp>
+    </p:spTree>
+    <p:extLst>
+      <p:ext uri="{BB962C8B-B14F-4D97-AF65-F5344CB8AC3E}">
+        <p14:creationId xmlns:p14="http://schemas.microsoft.com/office/powerpoint/2010/main" val="981366522"/>
+      </p:ext>
+    </p:extLst>
+  </p:cSld>
+  <p:clrMapOvr>
+    <a:masterClrMapping/>
+  </p:clrMapOvr>
+  <p:timing>
+    <p:tnLst>
+      <p:par>
+        <p:cTn id="1" dur="indefinite" restart="never" nodeType="tmRoot"/>
+      </p:par>
+    </p:tnLst>
+  </p:timing>
+</p:sld>
+</file>
+
+<file path=ppt/slides/slide8.xml><?xml version="1.0" encoding="utf-8"?>
+<p:sld xmlns:a="http://schemas.openxmlformats.org/drawingml/2006/main" xmlns:r="http://schemas.openxmlformats.org/officeDocument/2006/relationships" xmlns:p="http://schemas.openxmlformats.org/presentationml/2006/main">
+  <p:cSld>
+    <p:spTree>
+      <p:nvGrpSpPr>
+        <p:cNvPr id="1" name=""/>
+        <p:cNvGrpSpPr/>
+        <p:nvPr/>
+      </p:nvGrpSpPr>
+      <p:grpSpPr>
+        <a:xfrm>
+          <a:off x="0" y="0"/>
+          <a:ext cx="0" cy="0"/>
+          <a:chOff x="0" y="0"/>
+          <a:chExt cx="0" cy="0"/>
+        </a:xfrm>
+      </p:grpSpPr>
+      <p:sp>
+        <p:nvSpPr>
+          <p:cNvPr id="2" name="Title 1"/>
+          <p:cNvSpPr>
+            <a:spLocks noGrp="1"/>
+          </p:cNvSpPr>
+          <p:nvPr>
+            <p:ph type="title"/>
+          </p:nvPr>
+        </p:nvSpPr>
+        <p:spPr/>
+        <p:txBody>
+          <a:bodyPr/>
+          <a:lstStyle/>
+          <a:p>
+            <a:r>
+              <a:rPr lang="en-GB" dirty="0" err="1" smtClean="0"/>
+              <a:t>Databas</a:t>
+            </a:r>
+            <a:endParaRPr lang="en-GB" dirty="0"/>
+          </a:p>
+        </p:txBody>
+      </p:sp>
+      <p:sp>
+        <p:nvSpPr>
+          <p:cNvPr id="3" name="Content Placeholder 2"/>
+          <p:cNvSpPr>
+            <a:spLocks noGrp="1"/>
+          </p:cNvSpPr>
+          <p:nvPr>
+            <p:ph idx="1"/>
+          </p:nvPr>
+        </p:nvSpPr>
+        <p:spPr/>
+        <p:txBody>
+          <a:bodyPr/>
+          <a:lstStyle/>
+          <a:p>
+            <a:r>
+              <a:rPr lang="sv-SE" dirty="0" smtClean="0"/>
+              <a:t>vilken data sparas</a:t>
+            </a:r>
+          </a:p>
+          <a:p>
+            <a:r>
+              <a:rPr lang="sv-SE" dirty="0" smtClean="0"/>
+              <a:t>varför</a:t>
+            </a:r>
+          </a:p>
+          <a:p>
+            <a:r>
+              <a:rPr lang="sv-SE" dirty="0" smtClean="0"/>
+              <a:t>hur kommer man åt datan osv</a:t>
+            </a:r>
+          </a:p>
+        </p:txBody>
+      </p:sp>
+    </p:spTree>
+    <p:extLst>
+      <p:ext uri="{BB962C8B-B14F-4D97-AF65-F5344CB8AC3E}">
+        <p14:creationId xmlns:p14="http://schemas.microsoft.com/office/powerpoint/2010/main" val="4069273344"/>
       </p:ext>
     </p:extLst>
   </p:cSld>
